--- a/Presentations/FinalPresentation.pptx
+++ b/Presentations/FinalPresentation.pptx
@@ -220,7 +220,7 @@
           <a:p>
             <a:fld id="{647EC357-122F-48AB-88E5-025D5C11C6B3}" type="datetimeFigureOut">
               <a:rPr lang="en-US" smtClean="0"/>
-              <a:t>1/30/2019</a:t>
+              <a:t>2/3/2019</a:t>
             </a:fld>
             <a:endParaRPr lang="en-US"/>
           </a:p>
@@ -1999,9 +1999,24 @@
           </a:bodyPr>
           <a:lstStyle/>
           <a:p>
-            <a:endParaRPr lang="en-US" sz="1800" dirty="0">
-              <a:latin typeface="+mn-lt"/>
-            </a:endParaRPr>
+            <a:r>
+              <a:rPr lang="en-US" sz="1800" dirty="0">
+                <a:latin typeface="+mn-lt"/>
+              </a:rPr>
+              <a:t>Simon Hagenmayer, Robin </a:t>
+            </a:r>
+            <a:r>
+              <a:rPr lang="en-US" sz="1800" dirty="0" err="1">
+                <a:latin typeface="+mn-lt"/>
+              </a:rPr>
+              <a:t>Schweigert</a:t>
+            </a:r>
+            <a:r>
+              <a:rPr lang="en-US" sz="1800" dirty="0">
+                <a:latin typeface="+mn-lt"/>
+              </a:rPr>
+              <a:t>, Jan Leusmann</a:t>
+            </a:r>
           </a:p>
         </p:txBody>
       </p:sp>
@@ -2206,7 +2221,7 @@
         <p:spPr>
           <a:xfrm>
             <a:off x="251520" y="1556792"/>
-            <a:ext cx="8640960" cy="4580008"/>
+            <a:ext cx="4536504" cy="4580008"/>
           </a:xfrm>
         </p:spPr>
         <p:txBody>
@@ -2214,6 +2229,59 @@
             <a:normAutofit/>
           </a:bodyPr>
           <a:lstStyle/>
+          <a:p>
+            <a:r>
+              <a:rPr lang="de-DE" sz="2400" dirty="0" err="1"/>
+              <a:t>Extend</a:t>
+            </a:r>
+            <a:r>
+              <a:rPr lang="de-DE" sz="2400" dirty="0"/>
+              <a:t> </a:t>
+            </a:r>
+            <a:r>
+              <a:rPr lang="de-DE" sz="2400" dirty="0" err="1"/>
+              <a:t>current</a:t>
+            </a:r>
+            <a:r>
+              <a:rPr lang="de-DE" sz="2400" dirty="0"/>
+              <a:t> </a:t>
+            </a:r>
+            <a:r>
+              <a:rPr lang="de-DE" sz="2400" dirty="0" err="1"/>
+              <a:t>options</a:t>
+            </a:r>
+            <a:r>
+              <a:rPr lang="de-DE" sz="2400" dirty="0"/>
+              <a:t> </a:t>
+            </a:r>
+            <a:r>
+              <a:rPr lang="de-DE" sz="2400" dirty="0" err="1"/>
+              <a:t>for</a:t>
+            </a:r>
+            <a:r>
+              <a:rPr lang="de-DE" sz="2400" dirty="0"/>
+              <a:t> </a:t>
+            </a:r>
+            <a:r>
+              <a:rPr lang="de-DE" sz="2400" dirty="0" err="1"/>
+              <a:t>input</a:t>
+            </a:r>
+            <a:r>
+              <a:rPr lang="de-DE" sz="2400" dirty="0"/>
+              <a:t> on a </a:t>
+            </a:r>
+            <a:r>
+              <a:rPr lang="de-DE" sz="2400" dirty="0" err="1"/>
+              <a:t>touchscreen</a:t>
+            </a:r>
+            <a:endParaRPr lang="de-DE" sz="2400" dirty="0"/>
+          </a:p>
+          <a:p>
+            <a:endParaRPr lang="de-DE" sz="2400" dirty="0"/>
+          </a:p>
+          <a:p>
+            <a:endParaRPr lang="de-DE" sz="2400" dirty="0"/>
+          </a:p>
           <a:p>
             <a:endParaRPr lang="de-DE" sz="2400" dirty="0"/>
           </a:p>
@@ -2278,6 +2346,41 @@
           </a:p>
         </p:txBody>
       </p:sp>
+      <p:pic>
+        <p:nvPicPr>
+          <p:cNvPr id="5" name="Grafik 4">
+            <a:extLst>
+              <a:ext uri="{FF2B5EF4-FFF2-40B4-BE49-F238E27FC236}">
+                <a16:creationId xmlns:a16="http://schemas.microsoft.com/office/drawing/2014/main" id="{6C7C5CDC-BCAF-40D9-895F-16CA6337B4CD}"/>
+              </a:ext>
+            </a:extLst>
+          </p:cNvPr>
+          <p:cNvPicPr>
+            <a:picLocks noChangeAspect="1"/>
+          </p:cNvPicPr>
+          <p:nvPr/>
+        </p:nvPicPr>
+        <p:blipFill rotWithShape="1">
+          <a:blip r:embed="rId2">
+            <a:extLst>
+              <a:ext uri="{28A0092B-C50C-407E-A947-70E740481C1C}">
+                <a14:useLocalDpi xmlns:a14="http://schemas.microsoft.com/office/drawing/2010/main" val="0"/>
+              </a:ext>
+            </a:extLst>
+          </a:blip>
+          <a:srcRect l="9660" r="10181"/>
+          <a:stretch/>
+        </p:blipFill>
+        <p:spPr>
+          <a:xfrm>
+            <a:off x="4895528" y="48411"/>
+            <a:ext cx="4248472" cy="2887926"/>
+          </a:xfrm>
+          <a:prstGeom prst="rect">
+            <a:avLst/>
+          </a:prstGeom>
+        </p:spPr>
+      </p:pic>
     </p:spTree>
     <p:extLst>
       <p:ext uri="{BB962C8B-B14F-4D97-AF65-F5344CB8AC3E}">
@@ -2329,6 +2432,176 @@
           <a:bodyPr/>
           <a:lstStyle/>
           <a:p>
+            <a:r>
+              <a:rPr lang="de-DE" dirty="0" err="1"/>
+              <a:t>TapSense</a:t>
+            </a:r>
+            <a:endParaRPr lang="de-DE" dirty="0"/>
+          </a:p>
+          <a:p>
+            <a:pPr lvl="1"/>
+            <a:r>
+              <a:rPr lang="de-DE" dirty="0"/>
+              <a:t>Sound-</a:t>
+            </a:r>
+            <a:r>
+              <a:rPr lang="de-DE" dirty="0" err="1"/>
+              <a:t>based</a:t>
+            </a:r>
+            <a:endParaRPr lang="de-DE" dirty="0"/>
+          </a:p>
+          <a:p>
+            <a:pPr lvl="1"/>
+            <a:r>
+              <a:rPr lang="de-DE" dirty="0" err="1"/>
+              <a:t>Differentiate</a:t>
+            </a:r>
+            <a:r>
+              <a:rPr lang="de-DE" dirty="0"/>
+              <a:t> </a:t>
+            </a:r>
+            <a:r>
+              <a:rPr lang="de-DE" dirty="0" err="1"/>
+              <a:t>between</a:t>
+            </a:r>
+            <a:r>
+              <a:rPr lang="de-DE" dirty="0"/>
+              <a:t> </a:t>
+            </a:r>
+            <a:r>
+              <a:rPr lang="de-DE" dirty="0" err="1"/>
+              <a:t>four</a:t>
+            </a:r>
+            <a:r>
+              <a:rPr lang="de-DE" dirty="0"/>
+              <a:t> different </a:t>
+            </a:r>
+            <a:r>
+              <a:rPr lang="de-DE" dirty="0" err="1"/>
+              <a:t>finger</a:t>
+            </a:r>
+            <a:r>
+              <a:rPr lang="de-DE" dirty="0"/>
+              <a:t> </a:t>
+            </a:r>
+            <a:r>
+              <a:rPr lang="de-DE" dirty="0" err="1"/>
+              <a:t>inputs</a:t>
+            </a:r>
+            <a:endParaRPr lang="de-DE" dirty="0"/>
+          </a:p>
+          <a:p>
+            <a:pPr lvl="1"/>
+            <a:r>
+              <a:rPr lang="de-DE" dirty="0"/>
+              <a:t>SVM</a:t>
+            </a:r>
+          </a:p>
+          <a:p>
+            <a:pPr lvl="2"/>
+            <a:r>
+              <a:rPr lang="de-DE" dirty="0"/>
+              <a:t>86% </a:t>
+            </a:r>
+            <a:r>
+              <a:rPr lang="de-DE" dirty="0" err="1"/>
+              <a:t>accuracy</a:t>
+            </a:r>
+            <a:endParaRPr lang="de-DE" dirty="0"/>
+          </a:p>
+          <a:p>
+            <a:r>
+              <a:rPr lang="de-DE" dirty="0"/>
+              <a:t>Nail+</a:t>
+            </a:r>
+          </a:p>
+          <a:p>
+            <a:pPr lvl="1"/>
+            <a:r>
+              <a:rPr lang="en-US" dirty="0"/>
+              <a:t>3x3 grid of strain sensors, worn on the fingernail</a:t>
+            </a:r>
+          </a:p>
+          <a:p>
+            <a:pPr lvl="1"/>
+            <a:r>
+              <a:rPr lang="de-DE" dirty="0"/>
+              <a:t>Different </a:t>
+            </a:r>
+            <a:r>
+              <a:rPr lang="de-DE" dirty="0" err="1"/>
+              <a:t>levels</a:t>
+            </a:r>
+            <a:r>
+              <a:rPr lang="de-DE" dirty="0"/>
+              <a:t> </a:t>
+            </a:r>
+            <a:r>
+              <a:rPr lang="de-DE" dirty="0" err="1"/>
+              <a:t>of</a:t>
+            </a:r>
+            <a:r>
+              <a:rPr lang="de-DE" dirty="0"/>
+              <a:t> </a:t>
+            </a:r>
+            <a:r>
+              <a:rPr lang="de-DE" dirty="0" err="1"/>
+              <a:t>applied</a:t>
+            </a:r>
+            <a:r>
+              <a:rPr lang="de-DE" dirty="0"/>
+              <a:t> finger-</a:t>
+            </a:r>
+            <a:r>
+              <a:rPr lang="de-DE" dirty="0" err="1"/>
+              <a:t>force</a:t>
+            </a:r>
+            <a:r>
+              <a:rPr lang="de-DE" dirty="0"/>
+              <a:t> </a:t>
+            </a:r>
+            <a:r>
+              <a:rPr lang="de-DE" dirty="0" err="1"/>
+              <a:t>can</a:t>
+            </a:r>
+            <a:r>
+              <a:rPr lang="de-DE" dirty="0"/>
+              <a:t> </a:t>
+            </a:r>
+            <a:r>
+              <a:rPr lang="de-DE" dirty="0" err="1"/>
+              <a:t>be</a:t>
+            </a:r>
+            <a:r>
+              <a:rPr lang="de-DE" dirty="0"/>
+              <a:t> </a:t>
+            </a:r>
+            <a:r>
+              <a:rPr lang="de-DE" dirty="0" err="1"/>
+              <a:t>detected</a:t>
+            </a:r>
+            <a:endParaRPr lang="de-DE" dirty="0"/>
+          </a:p>
+          <a:p>
+            <a:pPr lvl="1"/>
+            <a:r>
+              <a:rPr lang="de-DE" dirty="0"/>
+              <a:t>85% </a:t>
+            </a:r>
+            <a:r>
+              <a:rPr lang="de-DE" dirty="0" err="1"/>
+              <a:t>accuracy</a:t>
+            </a:r>
+            <a:endParaRPr lang="de-DE" dirty="0"/>
+          </a:p>
+          <a:p>
+            <a:r>
+              <a:rPr lang="de-DE" dirty="0"/>
+              <a:t>Huawei</a:t>
+            </a:r>
+          </a:p>
+          <a:p>
+            <a:pPr lvl="1"/>
             <a:endParaRPr lang="de-DE" dirty="0"/>
           </a:p>
         </p:txBody>
@@ -2443,7 +2716,7 @@
           <a:bodyPr/>
           <a:lstStyle/>
           <a:p>
-            <a:endParaRPr lang="de-DE"/>
+            <a:endParaRPr lang="de-DE" dirty="0"/>
           </a:p>
         </p:txBody>
       </p:sp>
